--- a/presentations/pi_18_april_2022/presentations/Fraud Working Group Mojaloop Convening April 2022-3.pptx
+++ b/presentations/pi_18_april_2022/presentations/Fraud Working Group Mojaloop Convening April 2022-3.pptx
@@ -13271,6 +13271,155 @@
               <a:defRPr/>
             </a:pPr>
             <a:r>
+              <a:rPr lang="en-US" sz="1200" u="none" strike="noStrike" dirty="0">
+                <a:effectLst/>
+              </a:rPr>
+              <a:t>Layanah Wreikat - </a:t>
+            </a:r>
+            <a:r>
+              <a:rPr lang="en-US" b="0" i="0" dirty="0">
+                <a:effectLst/>
+                <a:latin typeface="-apple-system"/>
+              </a:rPr>
+              <a:t>Business Development Manager</a:t>
+            </a:r>
+            <a:endParaRPr lang="en-US" sz="1200" u="none" strike="noStrike" dirty="0">
+              <a:effectLst/>
+            </a:endParaRPr>
+          </a:p>
+          <a:p>
+            <a:pPr marL="0" marR="0" lvl="0" indent="0" algn="l" defTabSz="914400" rtl="0" eaLnBrk="1" fontAlgn="auto" latinLnBrk="0" hangingPunct="1">
+              <a:lnSpc>
+                <a:spcPct val="100000"/>
+              </a:lnSpc>
+              <a:spcBef>
+                <a:spcPts val="0"/>
+              </a:spcBef>
+              <a:spcAft>
+                <a:spcPts val="0"/>
+              </a:spcAft>
+              <a:buClrTx/>
+              <a:buSzTx/>
+              <a:buFontTx/>
+              <a:buNone/>
+              <a:tabLst/>
+              <a:defRPr/>
+            </a:pPr>
+            <a:r>
+              <a:rPr lang="en-US" sz="1200" u="none" strike="noStrike" dirty="0">
+                <a:effectLst/>
+              </a:rPr>
+              <a:t>Moayad </a:t>
+            </a:r>
+            <a:r>
+              <a:rPr lang="en-US" sz="1200" u="none" strike="noStrike" dirty="0" err="1">
+                <a:effectLst/>
+              </a:rPr>
+              <a:t>Ghanna</a:t>
+            </a:r>
+            <a:r>
+              <a:rPr lang="en-US" sz="1200" u="none" strike="noStrike" dirty="0">
+                <a:effectLst/>
+              </a:rPr>
+              <a:t> - </a:t>
+            </a:r>
+            <a:r>
+              <a:rPr lang="en-US" b="0" i="0" dirty="0">
+                <a:effectLst/>
+                <a:latin typeface="-apple-system"/>
+              </a:rPr>
+              <a:t>Business Innovation and Analytics Specialist</a:t>
+            </a:r>
+            <a:endParaRPr lang="en-US" sz="1200" u="none" strike="noStrike" dirty="0">
+              <a:effectLst/>
+            </a:endParaRPr>
+          </a:p>
+          <a:p>
+            <a:pPr marL="0" marR="0" lvl="0" indent="0" algn="l" defTabSz="914400" rtl="0" eaLnBrk="1" fontAlgn="auto" latinLnBrk="0" hangingPunct="1">
+              <a:lnSpc>
+                <a:spcPct val="100000"/>
+              </a:lnSpc>
+              <a:spcBef>
+                <a:spcPts val="0"/>
+              </a:spcBef>
+              <a:spcAft>
+                <a:spcPts val="0"/>
+              </a:spcAft>
+              <a:buClrTx/>
+              <a:buSzTx/>
+              <a:buFontTx/>
+              <a:buNone/>
+              <a:tabLst/>
+              <a:defRPr/>
+            </a:pPr>
+            <a:r>
+              <a:rPr lang="en-US" sz="1200" u="none" strike="noStrike" dirty="0">
+                <a:effectLst/>
+              </a:rPr>
+              <a:t>Adrian Carcu - </a:t>
+            </a:r>
+            <a:r>
+              <a:rPr lang="en-US" b="0" i="0" dirty="0">
+                <a:effectLst/>
+                <a:latin typeface="-apple-system"/>
+              </a:rPr>
+              <a:t>Chief Software Architect / Product Manager for Payment Hubs &amp; Gateways, Virtual Account Management, Liquidity Management, Fraud Management, AML, Sanctions Scanning</a:t>
+            </a:r>
+          </a:p>
+          <a:p>
+            <a:pPr marL="0" marR="0" lvl="0" indent="0" algn="l" defTabSz="914400" rtl="0" eaLnBrk="1" fontAlgn="auto" latinLnBrk="0" hangingPunct="1">
+              <a:lnSpc>
+                <a:spcPct val="100000"/>
+              </a:lnSpc>
+              <a:spcBef>
+                <a:spcPts val="0"/>
+              </a:spcBef>
+              <a:spcAft>
+                <a:spcPts val="0"/>
+              </a:spcAft>
+              <a:buClrTx/>
+              <a:buSzTx/>
+              <a:buFontTx/>
+              <a:buNone/>
+              <a:tabLst/>
+              <a:defRPr/>
+            </a:pPr>
+            <a:r>
+              <a:rPr lang="en-US" sz="1200" u="none" strike="noStrike" dirty="0">
+                <a:effectLst/>
+              </a:rPr>
+              <a:t>Greg McCormick - </a:t>
+            </a:r>
+            <a:r>
+              <a:rPr lang="en-US" b="0" i="0" dirty="0">
+                <a:effectLst/>
+                <a:latin typeface="-apple-system"/>
+              </a:rPr>
+              <a:t>Chief Strategic Business Development Officer</a:t>
+            </a:r>
+            <a:endParaRPr lang="en-US" sz="1200" u="none" strike="noStrike" dirty="0">
+              <a:effectLst/>
+            </a:endParaRPr>
+          </a:p>
+          <a:p>
+            <a:pPr marL="0" marR="0" lvl="0" indent="0" algn="l" defTabSz="914400" rtl="0" eaLnBrk="1" fontAlgn="auto" latinLnBrk="0" hangingPunct="1">
+              <a:lnSpc>
+                <a:spcPct val="100000"/>
+              </a:lnSpc>
+              <a:spcBef>
+                <a:spcPts val="0"/>
+              </a:spcBef>
+              <a:spcAft>
+                <a:spcPts val="0"/>
+              </a:spcAft>
+              <a:buClrTx/>
+              <a:buSzTx/>
+              <a:buFontTx/>
+              <a:buNone/>
+              <a:tabLst/>
+              <a:defRPr/>
+            </a:pPr>
+            <a:r>
               <a:rPr lang="en-US" sz="1200" b="0" i="0" u="none" strike="noStrike" dirty="0">
                 <a:effectLst/>
                 <a:latin typeface="Arial" panose="020B0604020202020204" pitchFamily="34" charset="0"/>
@@ -19344,7 +19493,12 @@
             <p:ph idx="1"/>
           </p:nvPr>
         </p:nvSpPr>
-        <p:spPr/>
+        <p:spPr>
+          <a:xfrm>
+            <a:off x="9047747" y="3651250"/>
+            <a:ext cx="13662810" cy="8702676"/>
+          </a:xfrm>
+        </p:spPr>
         <p:txBody>
           <a:bodyPr/>
           <a:lstStyle/>
@@ -19427,6 +19581,36 @@
           </a:p>
         </p:txBody>
       </p:sp>
+      <p:pic>
+        <p:nvPicPr>
+          <p:cNvPr id="5" name="Picture 4">
+            <a:extLst>
+              <a:ext uri="{FF2B5EF4-FFF2-40B4-BE49-F238E27FC236}">
+                <a16:creationId xmlns:a16="http://schemas.microsoft.com/office/drawing/2014/main" id="{CB961FA7-4008-0D71-01EB-F8C561DCEDD5}"/>
+              </a:ext>
+            </a:extLst>
+          </p:cNvPr>
+          <p:cNvPicPr>
+            <a:picLocks noChangeAspect="1"/>
+          </p:cNvPicPr>
+          <p:nvPr/>
+        </p:nvPicPr>
+        <p:blipFill>
+          <a:blip r:embed="rId2"/>
+          <a:stretch>
+            <a:fillRect/>
+          </a:stretch>
+        </p:blipFill>
+        <p:spPr>
+          <a:xfrm>
+            <a:off x="2101726" y="4752977"/>
+            <a:ext cx="5971805" cy="5041617"/>
+          </a:xfrm>
+          <a:prstGeom prst="rect">
+            <a:avLst/>
+          </a:prstGeom>
+        </p:spPr>
+      </p:pic>
     </p:spTree>
     <p:extLst>
       <p:ext uri="{BB962C8B-B14F-4D97-AF65-F5344CB8AC3E}">
@@ -19977,18 +20161,6 @@
               <a:buNone/>
             </a:pPr>
             <a:endParaRPr lang="en-US" sz="4400" dirty="0"/>
-          </a:p>
-          <a:p>
-            <a:pPr marL="0" indent="0" algn="ctr">
-              <a:lnSpc>
-                <a:spcPct val="70000"/>
-              </a:lnSpc>
-              <a:buNone/>
-            </a:pPr>
-            <a:r>
-              <a:rPr lang="en-US" sz="4800" dirty="0"/>
-              <a:t>Charity Elkins</a:t>
-            </a:r>
           </a:p>
           <a:p>
             <a:pPr marL="0" indent="0" algn="ctr">
@@ -21819,12 +21991,17 @@
 </file>
 
 <file path=customXml/item1.xml><?xml version="1.0" encoding="utf-8"?>
-<?mso-contentType ?>
-<FormTemplates xmlns="http://schemas.microsoft.com/sharepoint/v3/contenttype/forms">
-  <Display>DocumentLibraryForm</Display>
-  <Edit>DocumentLibraryForm</Edit>
-  <New>DocumentLibraryForm</New>
-</FormTemplates>
+<p:properties xmlns:p="http://schemas.microsoft.com/office/2006/metadata/properties" xmlns:xsi="http://www.w3.org/2001/XMLSchema-instance" xmlns:pc="http://schemas.microsoft.com/office/infopath/2007/PartnerControls">
+  <documentManagement>
+    <SharedWithUsers xmlns="6354f033-77ec-451f-a4b1-89785309665d">
+      <UserInfo>
+        <DisplayName>Catherine La Valley</DisplayName>
+        <AccountId>168</AccountId>
+        <AccountType/>
+      </UserInfo>
+    </SharedWithUsers>
+  </documentManagement>
+</p:properties>
 </file>
 
 <file path=customXml/item2.xml><?xml version="1.0" encoding="utf-8"?>
@@ -22051,23 +22228,27 @@
 </file>
 
 <file path=customXml/item3.xml><?xml version="1.0" encoding="utf-8"?>
-<p:properties xmlns:p="http://schemas.microsoft.com/office/2006/metadata/properties" xmlns:xsi="http://www.w3.org/2001/XMLSchema-instance" xmlns:pc="http://schemas.microsoft.com/office/infopath/2007/PartnerControls">
-  <documentManagement>
-    <SharedWithUsers xmlns="6354f033-77ec-451f-a4b1-89785309665d">
-      <UserInfo>
-        <DisplayName>Catherine La Valley</DisplayName>
-        <AccountId>168</AccountId>
-        <AccountType/>
-      </UserInfo>
-    </SharedWithUsers>
-  </documentManagement>
-</p:properties>
+<?mso-contentType ?>
+<FormTemplates xmlns="http://schemas.microsoft.com/sharepoint/v3/contenttype/forms">
+  <Display>DocumentLibraryForm</Display>
+  <Edit>DocumentLibraryForm</Edit>
+  <New>DocumentLibraryForm</New>
+</FormTemplates>
 </file>
 
 <file path=customXml/itemProps1.xml><?xml version="1.0" encoding="utf-8"?>
-<ds:datastoreItem xmlns:ds="http://schemas.openxmlformats.org/officeDocument/2006/customXml" ds:itemID="{4E880100-AD93-4165-9435-CF4F80F1243C}">
+<ds:datastoreItem xmlns:ds="http://schemas.openxmlformats.org/officeDocument/2006/customXml" ds:itemID="{C1D56013-FFA3-4AA5-BFCF-7C4A0141612A}">
   <ds:schemaRefs>
-    <ds:schemaRef ds:uri="http://schemas.microsoft.com/sharepoint/v3/contenttype/forms"/>
+    <ds:schemaRef ds:uri="http://purl.org/dc/elements/1.1/"/>
+    <ds:schemaRef ds:uri="http://schemas.microsoft.com/office/2006/metadata/properties"/>
+    <ds:schemaRef ds:uri="http://purl.org/dc/terms/"/>
+    <ds:schemaRef ds:uri="6354f033-77ec-451f-a4b1-89785309665d"/>
+    <ds:schemaRef ds:uri="http://www.w3.org/XML/1998/namespace"/>
+    <ds:schemaRef ds:uri="http://schemas.microsoft.com/office/infopath/2007/PartnerControls"/>
+    <ds:schemaRef ds:uri="http://schemas.microsoft.com/office/2006/documentManagement/types"/>
+    <ds:schemaRef ds:uri="http://schemas.openxmlformats.org/package/2006/metadata/core-properties"/>
+    <ds:schemaRef ds:uri="af12d3ca-d309-4d9b-872e-f669d895b06e"/>
+    <ds:schemaRef ds:uri="http://purl.org/dc/dcmitype/"/>
   </ds:schemaRefs>
 </ds:datastoreItem>
 </file>
@@ -22092,18 +22273,9 @@
 </file>
 
 <file path=customXml/itemProps3.xml><?xml version="1.0" encoding="utf-8"?>
-<ds:datastoreItem xmlns:ds="http://schemas.openxmlformats.org/officeDocument/2006/customXml" ds:itemID="{C1D56013-FFA3-4AA5-BFCF-7C4A0141612A}">
+<ds:datastoreItem xmlns:ds="http://schemas.openxmlformats.org/officeDocument/2006/customXml" ds:itemID="{4E880100-AD93-4165-9435-CF4F80F1243C}">
   <ds:schemaRefs>
-    <ds:schemaRef ds:uri="http://purl.org/dc/elements/1.1/"/>
-    <ds:schemaRef ds:uri="http://schemas.microsoft.com/office/2006/metadata/properties"/>
-    <ds:schemaRef ds:uri="http://purl.org/dc/terms/"/>
-    <ds:schemaRef ds:uri="6354f033-77ec-451f-a4b1-89785309665d"/>
-    <ds:schemaRef ds:uri="http://www.w3.org/XML/1998/namespace"/>
-    <ds:schemaRef ds:uri="http://schemas.microsoft.com/office/infopath/2007/PartnerControls"/>
-    <ds:schemaRef ds:uri="http://schemas.microsoft.com/office/2006/documentManagement/types"/>
-    <ds:schemaRef ds:uri="http://schemas.openxmlformats.org/package/2006/metadata/core-properties"/>
-    <ds:schemaRef ds:uri="af12d3ca-d309-4d9b-872e-f669d895b06e"/>
-    <ds:schemaRef ds:uri="http://purl.org/dc/dcmitype/"/>
+    <ds:schemaRef ds:uri="http://schemas.microsoft.com/sharepoint/v3/contenttype/forms"/>
   </ds:schemaRefs>
 </ds:datastoreItem>
 </file>